--- a/tkinterinterest group.pptx
+++ b/tkinterinterest group.pptx
@@ -10939,29 +10939,24 @@
         </p:nvSpPr>
         <p:spPr>
           <a:xfrm>
-            <a:off x="660400" y="2609494"/>
-            <a:ext cx="11684000" cy="415498"/>
+            <a:off x="939800" y="2324548"/>
+            <a:ext cx="11684000" cy="734551"/>
           </a:xfrm>
         </p:spPr>
         <p:txBody>
           <a:bodyPr>
-            <a:normAutofit fontScale="70000" lnSpcReduction="20000"/>
+            <a:noAutofit/>
           </a:bodyPr>
           <a:lstStyle/>
           <a:p>
-            <a:r>
-              <a:rPr lang="en-SG" dirty="0"/>
-              <a:t>https://realpython.com/</a:t>
-            </a:r>
-            <a:r>
-              <a:rPr lang="en-SG" dirty="0">
+            <a:pPr marL="0" indent="0">
+              <a:buNone/>
+            </a:pPr>
+            <a:r>
+              <a:rPr lang="en-SG" sz="4400" dirty="0">
                 <a:hlinkClick r:id="rId3"/>
               </a:rPr>
-              <a:t>python-gui-tkinter</a:t>
-            </a:r>
-            <a:r>
-              <a:rPr lang="en-SG" dirty="0"/>
-              <a:t>/</a:t>
+              <a:t>https://realpython.com/python-gui-tkinter/</a:t>
             </a:r>
           </a:p>
         </p:txBody>
@@ -10969,6 +10964,7 @@
       <p:sp>
         <p:nvSpPr>
           <p:cNvPr id="4" name="Rectangle 3">
+            <a:hlinkClick r:id="rId3"/>
             <a:extLst>
               <a:ext uri="{FF2B5EF4-FFF2-40B4-BE49-F238E27FC236}">
                 <a16:creationId xmlns:a16="http://schemas.microsoft.com/office/drawing/2014/main" id="{DF86940B-E76F-471C-BC80-B754867F74AD}"/>
@@ -10980,8 +10976,8 @@
         </p:nvSpPr>
         <p:spPr>
           <a:xfrm>
-            <a:off x="558800" y="3657600"/>
-            <a:ext cx="9144000" cy="584775"/>
+            <a:off x="985078" y="3810000"/>
+            <a:ext cx="9144000" cy="707886"/>
           </a:xfrm>
           <a:prstGeom prst="rect">
             <a:avLst/>
@@ -10994,17 +10990,13 @@
           <a:lstStyle/>
           <a:p>
             <a:r>
-              <a:rPr lang="en-SG" sz="3200" dirty="0"/>
-              <a:t>https://realpython.com/</a:t>
-            </a:r>
-            <a:r>
-              <a:rPr lang="en-SG" sz="3200" dirty="0">
+              <a:rPr lang="en-SG" sz="4000" dirty="0">
                 <a:hlinkClick r:id="rId3"/>
               </a:rPr>
-              <a:t>python-gui-tkinter</a:t>
-            </a:r>
-            <a:r>
-              <a:rPr lang="en-SG" sz="3200" dirty="0"/>
+              <a:t>https://realpython.com/python-gui-tkinter</a:t>
+            </a:r>
+            <a:r>
+              <a:rPr lang="en-SG" sz="4000" dirty="0"/>
               <a:t>/</a:t>
             </a:r>
           </a:p>
@@ -12428,11 +12420,11 @@
 
 <file path=ppt/tags/tag1.xml><?xml version="1.0" encoding="utf-8"?>
 <p:tagLst xmlns:a="http://schemas.openxmlformats.org/drawingml/2006/main" xmlns:r="http://schemas.openxmlformats.org/officeDocument/2006/relationships" xmlns:p="http://schemas.openxmlformats.org/presentationml/2006/main">
-  <p:tag name="ARTICULATE_PROJECT_OPEN" val="0"/>
   <p:tag name="ARTICULATE_DESIGN_ID_GALLERY" val="NEsiX2th"/>
   <p:tag name="ARTICULATE_DESIGN_ID_INTEGRAL" val="2sgf5hXQ"/>
   <p:tag name="ARTICULATE_DESIGN_ID_ORGANIC" val="VtHtTL4I"/>
   <p:tag name="ARTICULATE_SLIDE_COUNT" val="9"/>
+  <p:tag name="ARTICULATE_PROJECT_OPEN" val="0"/>
 </p:tagLst>
 </file>
 

--- a/tkinterinterest group.pptx
+++ b/tkinterinterest group.pptx
@@ -198,7 +198,7 @@
               <a:pPr>
                 <a:defRPr/>
               </a:pPr>
-              <a:t>5/29/2020</a:t>
+              <a:t>6/4/2020</a:t>
             </a:fld>
             <a:endParaRPr lang="en-US"/>
           </a:p>
@@ -465,7 +465,7 @@
           <a:p>
             <a:fld id="{1D8BD707-D9CF-40AE-B4C6-C98DA3205C09}" type="datetimeFigureOut">
               <a:rPr lang="en-US" smtClean="0"/>
-              <a:t>5/29/2020</a:t>
+              <a:t>6/4/2020</a:t>
             </a:fld>
             <a:endParaRPr lang="en-US"/>
           </a:p>
@@ -787,7 +787,7 @@
           <a:p>
             <a:fld id="{1D8BD707-D9CF-40AE-B4C6-C98DA3205C09}" type="datetimeFigureOut">
               <a:rPr lang="en-US" smtClean="0"/>
-              <a:t>5/29/2020</a:t>
+              <a:t>6/4/2020</a:t>
             </a:fld>
             <a:endParaRPr lang="en-US"/>
           </a:p>
@@ -1084,7 +1084,7 @@
               <a:pPr>
                 <a:defRPr/>
               </a:pPr>
-              <a:t>5/29/2020</a:t>
+              <a:t>6/4/2020</a:t>
             </a:fld>
             <a:endParaRPr lang="en-US"/>
           </a:p>
@@ -1346,7 +1346,7 @@
               <a:pPr>
                 <a:defRPr/>
               </a:pPr>
-              <a:t>5/29/2020</a:t>
+              <a:t>6/4/2020</a:t>
             </a:fld>
             <a:endParaRPr lang="en-US"/>
           </a:p>
@@ -1699,7 +1699,7 @@
               <a:pPr>
                 <a:defRPr/>
               </a:pPr>
-              <a:t>5/29/2020</a:t>
+              <a:t>6/4/2020</a:t>
             </a:fld>
             <a:endParaRPr lang="en-US"/>
           </a:p>
@@ -2060,7 +2060,7 @@
               <a:pPr>
                 <a:defRPr/>
               </a:pPr>
-              <a:t>5/29/2020</a:t>
+              <a:t>6/4/2020</a:t>
             </a:fld>
             <a:endParaRPr lang="en-US"/>
           </a:p>
@@ -2445,7 +2445,7 @@
               <a:pPr>
                 <a:defRPr/>
               </a:pPr>
-              <a:t>5/29/2020</a:t>
+              <a:t>6/4/2020</a:t>
             </a:fld>
             <a:endParaRPr lang="en-US"/>
           </a:p>
@@ -2929,7 +2929,7 @@
               <a:pPr>
                 <a:defRPr/>
               </a:pPr>
-              <a:t>5/29/2020</a:t>
+              <a:t>6/4/2020</a:t>
             </a:fld>
             <a:endParaRPr lang="en-US"/>
           </a:p>
@@ -3147,7 +3147,7 @@
           <a:p>
             <a:fld id="{1D8BD707-D9CF-40AE-B4C6-C98DA3205C09}" type="datetimeFigureOut">
               <a:rPr lang="en-US" smtClean="0"/>
-              <a:t>5/29/2020</a:t>
+              <a:t>6/4/2020</a:t>
             </a:fld>
             <a:endParaRPr lang="en-US"/>
           </a:p>
@@ -3366,7 +3366,7 @@
           <a:p>
             <a:fld id="{1D8BD707-D9CF-40AE-B4C6-C98DA3205C09}" type="datetimeFigureOut">
               <a:rPr lang="en-US" smtClean="0"/>
-              <a:t>5/29/2020</a:t>
+              <a:t>6/4/2020</a:t>
             </a:fld>
             <a:endParaRPr lang="en-US"/>
           </a:p>
@@ -3581,7 +3581,7 @@
               <a:pPr>
                 <a:defRPr/>
               </a:pPr>
-              <a:t>5/29/2020</a:t>
+              <a:t>6/4/2020</a:t>
             </a:fld>
             <a:endParaRPr lang="en-US"/>
           </a:p>
@@ -3985,7 +3985,7 @@
           <a:p>
             <a:fld id="{1D8BD707-D9CF-40AE-B4C6-C98DA3205C09}" type="datetimeFigureOut">
               <a:rPr lang="en-US" smtClean="0"/>
-              <a:t>5/29/2020</a:t>
+              <a:t>6/4/2020</a:t>
             </a:fld>
             <a:endParaRPr lang="en-US"/>
           </a:p>
@@ -4232,7 +4232,7 @@
           <a:p>
             <a:fld id="{1D8BD707-D9CF-40AE-B4C6-C98DA3205C09}" type="datetimeFigureOut">
               <a:rPr lang="en-US" smtClean="0"/>
-              <a:t>5/29/2020</a:t>
+              <a:t>6/4/2020</a:t>
             </a:fld>
             <a:endParaRPr lang="en-US"/>
           </a:p>
@@ -4485,7 +4485,7 @@
           <a:p>
             <a:fld id="{1D8BD707-D9CF-40AE-B4C6-C98DA3205C09}" type="datetimeFigureOut">
               <a:rPr lang="en-US" smtClean="0"/>
-              <a:t>5/29/2020</a:t>
+              <a:t>6/4/2020</a:t>
             </a:fld>
             <a:endParaRPr lang="en-US"/>
           </a:p>
@@ -4793,7 +4793,7 @@
           <a:p>
             <a:fld id="{1D8BD707-D9CF-40AE-B4C6-C98DA3205C09}" type="datetimeFigureOut">
               <a:rPr lang="en-US" smtClean="0"/>
-              <a:t>5/29/2020</a:t>
+              <a:t>6/4/2020</a:t>
             </a:fld>
             <a:endParaRPr lang="en-US"/>
           </a:p>
@@ -5180,7 +5180,7 @@
           <a:p>
             <a:fld id="{1D8BD707-D9CF-40AE-B4C6-C98DA3205C09}" type="datetimeFigureOut">
               <a:rPr lang="en-US" smtClean="0"/>
-              <a:t>5/29/2020</a:t>
+              <a:t>6/4/2020</a:t>
             </a:fld>
             <a:endParaRPr lang="en-US"/>
           </a:p>
@@ -5339,7 +5339,7 @@
           <a:p>
             <a:fld id="{1D8BD707-D9CF-40AE-B4C6-C98DA3205C09}" type="datetimeFigureOut">
               <a:rPr lang="en-US" smtClean="0"/>
-              <a:t>5/29/2020</a:t>
+              <a:t>6/4/2020</a:t>
             </a:fld>
             <a:endParaRPr lang="en-US"/>
           </a:p>
@@ -5473,7 +5473,7 @@
           <a:p>
             <a:fld id="{1D8BD707-D9CF-40AE-B4C6-C98DA3205C09}" type="datetimeFigureOut">
               <a:rPr lang="en-US" smtClean="0"/>
-              <a:t>5/29/2020</a:t>
+              <a:t>6/4/2020</a:t>
             </a:fld>
             <a:endParaRPr lang="en-US"/>
           </a:p>
@@ -5699,7 +5699,7 @@
               <a:pPr>
                 <a:defRPr/>
               </a:pPr>
-              <a:t>5/29/2020</a:t>
+              <a:t>6/4/2020</a:t>
             </a:fld>
             <a:endParaRPr lang="en-US"/>
           </a:p>
@@ -6475,7 +6475,7 @@
               <a:pPr>
                 <a:defRPr/>
               </a:pPr>
-              <a:t>5/29/2020</a:t>
+              <a:t>6/4/2020</a:t>
             </a:fld>
             <a:endParaRPr lang="en-US"/>
           </a:p>
@@ -9810,56 +9810,13 @@
       </p:sp>
       <p:sp>
         <p:nvSpPr>
-          <p:cNvPr id="3" name="object 3"/>
-          <p:cNvSpPr txBox="1"/>
-          <p:nvPr/>
-        </p:nvSpPr>
-        <p:spPr>
-          <a:xfrm>
-            <a:off x="990600" y="2678841"/>
-            <a:ext cx="126364" cy="371475"/>
-          </a:xfrm>
-          <a:prstGeom prst="rect">
-            <a:avLst/>
-          </a:prstGeom>
-        </p:spPr>
-        <p:txBody>
-          <a:bodyPr vert="horz" wrap="square" lIns="0" tIns="14604" rIns="0" bIns="0" rtlCol="0">
-            <a:spAutoFit/>
-          </a:bodyPr>
-          <a:lstStyle/>
-          <a:p>
-            <a:pPr marL="12700">
-              <a:lnSpc>
-                <a:spcPct val="100000"/>
-              </a:lnSpc>
-              <a:spcBef>
-                <a:spcPts val="114"/>
-              </a:spcBef>
-            </a:pPr>
-            <a:r>
-              <a:rPr sz="2250" spc="5" dirty="0">
-                <a:latin typeface="Times New Roman"/>
-                <a:cs typeface="Times New Roman"/>
-              </a:rPr>
-              <a:t>•</a:t>
-            </a:r>
-            <a:endParaRPr sz="2250">
-              <a:latin typeface="Times New Roman"/>
-              <a:cs typeface="Times New Roman"/>
-            </a:endParaRPr>
-          </a:p>
-        </p:txBody>
-      </p:sp>
-      <p:sp>
-        <p:nvSpPr>
           <p:cNvPr id="4" name="object 4"/>
           <p:cNvSpPr txBox="1"/>
           <p:nvPr/>
         </p:nvSpPr>
         <p:spPr>
           <a:xfrm>
-            <a:off x="1358900" y="2625851"/>
+            <a:off x="1778000" y="2250276"/>
             <a:ext cx="5525770" cy="956310"/>
           </a:xfrm>
           <a:prstGeom prst="rect">
@@ -9914,7 +9871,7 @@
               </a:rPr>
               <a:t>statement:</a:t>
             </a:r>
-            <a:endParaRPr sz="3000">
+            <a:endParaRPr sz="3000" dirty="0">
               <a:latin typeface="Times New Roman"/>
               <a:cs typeface="Times New Roman"/>
             </a:endParaRPr>
@@ -9958,7 +9915,7 @@
               </a:rPr>
               <a:t>*</a:t>
             </a:r>
-            <a:endParaRPr sz="3000">
+            <a:endParaRPr sz="3000" dirty="0">
               <a:latin typeface="Courier New"/>
               <a:cs typeface="Courier New"/>
             </a:endParaRPr>
@@ -10136,7 +10093,7 @@
               </a:rPr>
               <a:t>called</a:t>
             </a:r>
-            <a:endParaRPr sz="3000">
+            <a:endParaRPr sz="3000" dirty="0">
               <a:latin typeface="Times New Roman"/>
               <a:cs typeface="Times New Roman"/>
             </a:endParaRPr>
@@ -10204,7 +10161,7 @@
               </a:rPr>
               <a:t>kinter</a:t>
             </a:r>
-            <a:endParaRPr sz="3000">
+            <a:endParaRPr sz="3000" dirty="0">
               <a:latin typeface="Courier New"/>
               <a:cs typeface="Courier New"/>
             </a:endParaRPr>
@@ -10263,7 +10220,7 @@
               </a:rPr>
               <a:t>:</a:t>
             </a:r>
-            <a:endParaRPr sz="3000">
+            <a:endParaRPr sz="3000" dirty="0">
               <a:latin typeface="Times New Roman"/>
               <a:cs typeface="Times New Roman"/>
             </a:endParaRPr>
@@ -10462,7 +10419,7 @@
               </a:rPr>
               <a:t>program</a:t>
             </a:r>
-            <a:endParaRPr sz="3000">
+            <a:endParaRPr sz="3000" dirty="0">
               <a:latin typeface="Times New Roman"/>
               <a:cs typeface="Times New Roman"/>
             </a:endParaRPr>
@@ -10570,7 +10527,7 @@
               </a:rPr>
               <a:t>”</a:t>
             </a:r>
-            <a:endParaRPr sz="3000">
+            <a:endParaRPr sz="3000" dirty="0">
               <a:latin typeface="Times New Roman"/>
               <a:cs typeface="Times New Roman"/>
             </a:endParaRPr>
@@ -10770,7 +10727,7 @@
               </a:rPr>
               <a:t>use</a:t>
             </a:r>
-            <a:endParaRPr sz="3000">
+            <a:endParaRPr sz="3000" dirty="0">
               <a:latin typeface="Times New Roman"/>
               <a:cs typeface="Times New Roman"/>
             </a:endParaRPr>
@@ -10853,7 +10810,7 @@
               </a:rPr>
               <a:t>mainloop()</a:t>
             </a:r>
-            <a:endParaRPr sz="3000">
+            <a:endParaRPr sz="3000" dirty="0">
               <a:latin typeface="Courier New"/>
               <a:cs typeface="Courier New"/>
             </a:endParaRPr>
@@ -10957,47 +10914,6 @@
                 <a:hlinkClick r:id="rId3"/>
               </a:rPr>
               <a:t>https://realpython.com/python-gui-tkinter/</a:t>
-            </a:r>
-          </a:p>
-        </p:txBody>
-      </p:sp>
-      <p:sp>
-        <p:nvSpPr>
-          <p:cNvPr id="4" name="Rectangle 3">
-            <a:hlinkClick r:id="rId3"/>
-            <a:extLst>
-              <a:ext uri="{FF2B5EF4-FFF2-40B4-BE49-F238E27FC236}">
-                <a16:creationId xmlns:a16="http://schemas.microsoft.com/office/drawing/2014/main" id="{DF86940B-E76F-471C-BC80-B754867F74AD}"/>
-              </a:ext>
-            </a:extLst>
-          </p:cNvPr>
-          <p:cNvSpPr/>
-          <p:nvPr/>
-        </p:nvSpPr>
-        <p:spPr>
-          <a:xfrm>
-            <a:off x="985078" y="3810000"/>
-            <a:ext cx="9144000" cy="707886"/>
-          </a:xfrm>
-          <a:prstGeom prst="rect">
-            <a:avLst/>
-          </a:prstGeom>
-        </p:spPr>
-        <p:txBody>
-          <a:bodyPr wrap="square">
-            <a:spAutoFit/>
-          </a:bodyPr>
-          <a:lstStyle/>
-          <a:p>
-            <a:r>
-              <a:rPr lang="en-SG" sz="4000" dirty="0">
-                <a:hlinkClick r:id="rId3"/>
-              </a:rPr>
-              <a:t>https://realpython.com/python-gui-tkinter</a:t>
-            </a:r>
-            <a:r>
-              <a:rPr lang="en-SG" sz="4000" dirty="0"/>
-              <a:t>/</a:t>
             </a:r>
           </a:p>
         </p:txBody>
@@ -11053,7 +10969,7 @@
         </p:nvSpPr>
         <p:spPr>
           <a:xfrm>
-            <a:off x="2692400" y="762000"/>
+            <a:off x="1320800" y="795130"/>
             <a:ext cx="9372600" cy="1846659"/>
           </a:xfrm>
         </p:spPr>
@@ -11101,7 +11017,7 @@
         </p:nvSpPr>
         <p:spPr bwMode="auto">
           <a:xfrm>
-            <a:off x="406400" y="2815230"/>
+            <a:off x="787400" y="2805291"/>
             <a:ext cx="11658600" cy="6186309"/>
           </a:xfrm>
           <a:prstGeom prst="rect">
@@ -11478,33 +11394,7 @@
                 <a:effectLst/>
                 <a:latin typeface="Consolas" panose="020B0609020204030204" pitchFamily="49" charset="0"/>
               </a:rPr>
-              <a:t>"</a:t>
-            </a:r>
-            <a:r>
-              <a:rPr kumimoji="0" lang="en-US" altLang="en-US" sz="3600" b="1" i="0" u="none" strike="noStrike" cap="none" normalizeH="0" baseline="0" dirty="0" err="1">
-                <a:ln>
-                  <a:noFill/>
-                </a:ln>
-                <a:solidFill>
-                  <a:srgbClr val="008080"/>
-                </a:solidFill>
-                <a:effectLst/>
-                <a:latin typeface="Consolas" panose="020B0609020204030204" pitchFamily="49" charset="0"/>
-              </a:rPr>
-              <a:t>Welcomne</a:t>
-            </a:r>
-            <a:r>
-              <a:rPr kumimoji="0" lang="en-US" altLang="en-US" sz="3600" b="1" i="0" u="none" strike="noStrike" cap="none" normalizeH="0" baseline="0" dirty="0">
-                <a:ln>
-                  <a:noFill/>
-                </a:ln>
-                <a:solidFill>
-                  <a:srgbClr val="008080"/>
-                </a:solidFill>
-                <a:effectLst/>
-                <a:latin typeface="Consolas" panose="020B0609020204030204" pitchFamily="49" charset="0"/>
-              </a:rPr>
-              <a:t> to Robotics Interest Group Python training"</a:t>
+              <a:t>"Welcome to Robotics Interest Group Python training"</a:t>
             </a:r>
             <a:r>
               <a:rPr kumimoji="0" lang="en-US" altLang="en-US" sz="3600" b="0" i="0" u="none" strike="noStrike" cap="none" normalizeH="0" baseline="0" dirty="0">
@@ -11705,7 +11595,7 @@
         </p:nvSpPr>
         <p:spPr>
           <a:xfrm>
-            <a:off x="2387600" y="838200"/>
+            <a:off x="1739900" y="881270"/>
             <a:ext cx="9601200" cy="1028487"/>
           </a:xfrm>
           <a:prstGeom prst="rect">
@@ -11792,7 +11682,7 @@
         </p:nvSpPr>
         <p:spPr bwMode="auto">
           <a:xfrm>
-            <a:off x="863600" y="2362200"/>
+            <a:off x="1092200" y="2132023"/>
             <a:ext cx="10896600" cy="6740307"/>
           </a:xfrm>
           <a:prstGeom prst="rect">
